--- a/images/ffmpeg_pipeline_figs.pptx
+++ b/images/ffmpeg_pipeline_figs.pptx
@@ -4121,8 +4121,8 @@
             </p:nvSpPr>
             <p:spPr>
               <a:xfrm>
-                <a:off x="7505220" y="3592339"/>
-                <a:ext cx="1249061" cy="369332"/>
+                <a:off x="7325684" y="3592339"/>
+                <a:ext cx="1608133" cy="369332"/>
               </a:xfrm>
               <a:prstGeom prst="rect">
                 <a:avLst/>
@@ -4142,7 +4142,7 @@
                     <a:ea typeface="Cambria Math" panose="02040503050406030204" pitchFamily="18" charset="0"/>
                     <a:cs typeface="Times New Roman" panose="02020603050405020304" pitchFamily="18" charset="0"/>
                   </a:rPr>
-                  <a:t>SampleFifo</a:t>
+                  <a:t>FFmpegOutput</a:t>
                 </a:r>
                 <a:endParaRPr kumimoji="1" lang="ja-JP" altLang="en-US" dirty="0">
                   <a:latin typeface="Times New Roman" panose="02020603050405020304" pitchFamily="18" charset="0"/>
@@ -6035,7 +6035,7 @@
           <p:spPr>
             <a:xfrm>
               <a:off x="8129747" y="4218503"/>
-              <a:ext cx="1140056" cy="307777"/>
+              <a:ext cx="1505540" cy="307777"/>
             </a:xfrm>
             <a:prstGeom prst="rect">
               <a:avLst/>
@@ -6049,12 +6049,20 @@
             <a:lstStyle/>
             <a:p>
               <a:r>
+                <a:rPr lang="en-US" altLang="ja-JP" sz="1400">
+                  <a:latin typeface="Arial" panose="020B0604020202020204" pitchFamily="34" charset="0"/>
+                  <a:ea typeface="Cambria Math" panose="02040503050406030204" pitchFamily="18" charset="0"/>
+                  <a:cs typeface="Arial" panose="020B0604020202020204" pitchFamily="34" charset="0"/>
+                </a:rPr>
+                <a:t>Formatted </a:t>
+              </a:r>
+              <a:r>
                 <a:rPr lang="en-US" altLang="ja-JP" sz="1400" dirty="0">
                   <a:latin typeface="Arial" panose="020B0604020202020204" pitchFamily="34" charset="0"/>
                   <a:ea typeface="Cambria Math" panose="02040503050406030204" pitchFamily="18" charset="0"/>
                   <a:cs typeface="Arial" panose="020B0604020202020204" pitchFamily="34" charset="0"/>
                 </a:rPr>
-                <a:t>Sized frame</a:t>
+                <a:t>frame</a:t>
               </a:r>
             </a:p>
           </p:txBody>

--- a/images/ffmpeg_pipeline_figs.pptx
+++ b/images/ffmpeg_pipeline_figs.pptx
@@ -4271,12 +4271,12 @@
             <a:prstGeom prst="straightConnector1">
               <a:avLst/>
             </a:prstGeom>
-            <a:ln>
+            <a:ln w="38100">
               <a:solidFill>
                 <a:schemeClr val="tx1"/>
               </a:solidFill>
-              <a:headEnd type="none"/>
-              <a:tailEnd type="arrow"/>
+              <a:headEnd type="none" w="sm" len="sm"/>
+              <a:tailEnd type="arrow" w="sm" len="sm"/>
             </a:ln>
           </p:spPr>
           <p:style>
@@ -4318,12 +4318,12 @@
             <a:prstGeom prst="straightConnector1">
               <a:avLst/>
             </a:prstGeom>
-            <a:ln>
+            <a:ln w="38100">
               <a:solidFill>
                 <a:schemeClr val="tx1"/>
               </a:solidFill>
-              <a:headEnd type="none"/>
-              <a:tailEnd type="arrow"/>
+              <a:headEnd type="none" w="sm" len="sm"/>
+              <a:tailEnd type="arrow" w="sm" len="sm"/>
             </a:ln>
           </p:spPr>
           <p:style>
@@ -4369,7 +4369,7 @@
               <a:solidFill>
                 <a:schemeClr val="tx1"/>
               </a:solidFill>
-              <a:prstDash val="dashDot"/>
+              <a:prstDash val="solid"/>
               <a:tailEnd type="arrow"/>
             </a:ln>
           </p:spPr>
@@ -4687,12 +4687,12 @@
             <a:prstGeom prst="straightConnector1">
               <a:avLst/>
             </a:prstGeom>
-            <a:ln>
+            <a:ln w="38100">
               <a:solidFill>
                 <a:schemeClr val="tx1"/>
               </a:solidFill>
-              <a:headEnd type="arrow"/>
-              <a:tailEnd type="none"/>
+              <a:headEnd type="arrow" w="sm" len="sm"/>
+              <a:tailEnd type="none" w="sm" len="sm"/>
             </a:ln>
           </p:spPr>
           <p:style>
@@ -4734,12 +4734,12 @@
             <a:prstGeom prst="straightConnector1">
               <a:avLst/>
             </a:prstGeom>
-            <a:ln>
+            <a:ln w="38100">
               <a:solidFill>
                 <a:schemeClr val="tx1"/>
               </a:solidFill>
-              <a:headEnd type="arrow"/>
-              <a:tailEnd type="none"/>
+              <a:headEnd type="arrow" w="sm" len="sm"/>
+              <a:tailEnd type="none" w="sm" len="sm"/>
             </a:ln>
           </p:spPr>
           <p:style>
@@ -4785,7 +4785,7 @@
               <a:solidFill>
                 <a:schemeClr val="tx1"/>
               </a:solidFill>
-              <a:prstDash val="dashDot"/>
+              <a:prstDash val="solid"/>
               <a:headEnd type="arrow"/>
               <a:tailEnd type="none"/>
             </a:ln>
@@ -5295,11 +5295,11 @@
               <a:prstGeom prst="straightConnector1">
                 <a:avLst/>
               </a:prstGeom>
-              <a:ln>
+              <a:ln w="38100">
                 <a:solidFill>
                   <a:schemeClr val="tx1"/>
                 </a:solidFill>
-                <a:headEnd type="arrow"/>
+                <a:headEnd type="arrow" w="sm" len="sm"/>
                 <a:tailEnd type="none"/>
               </a:ln>
             </p:spPr>
@@ -5408,7 +5408,7 @@
                 <a:solidFill>
                   <a:schemeClr val="tx1"/>
                 </a:solidFill>
-                <a:prstDash val="dashDot"/>
+                <a:prstDash val="solid"/>
                 <a:tailEnd type="arrow"/>
               </a:ln>
             </p:spPr>
@@ -6207,12 +6207,12 @@
             <a:prstGeom prst="straightConnector1">
               <a:avLst/>
             </a:prstGeom>
-            <a:ln>
+            <a:ln w="38100">
               <a:solidFill>
                 <a:schemeClr val="tx1"/>
               </a:solidFill>
-              <a:headEnd type="arrow"/>
-              <a:tailEnd type="none"/>
+              <a:headEnd type="arrow" w="sm" len="sm"/>
+              <a:tailEnd type="none" w="sm" len="sm"/>
             </a:ln>
           </p:spPr>
           <p:style>
@@ -6422,12 +6422,12 @@
             <a:prstGeom prst="straightConnector1">
               <a:avLst/>
             </a:prstGeom>
-            <a:ln>
+            <a:ln w="38100">
               <a:solidFill>
                 <a:schemeClr val="tx1"/>
               </a:solidFill>
-              <a:headEnd type="none"/>
-              <a:tailEnd type="arrow"/>
+              <a:headEnd type="none" w="sm" len="sm"/>
+              <a:tailEnd type="arrow" w="sm" len="sm"/>
             </a:ln>
           </p:spPr>
           <p:style>

--- a/images/ffmpeg_pipeline_figs.pptx
+++ b/images/ffmpeg_pipeline_figs.pptx
@@ -3622,10 +3622,10 @@
       </p:grpSpPr>
       <p:grpSp>
         <p:nvGrpSpPr>
-          <p:cNvPr id="163" name="グループ化 162">
+          <p:cNvPr id="12" name="グループ化 11">
             <a:extLst>
               <a:ext uri="{FF2B5EF4-FFF2-40B4-BE49-F238E27FC236}">
-                <a16:creationId xmlns:a16="http://schemas.microsoft.com/office/drawing/2014/main" id="{2A97AE8D-0D42-45DA-6F9E-722636F0FBEF}"/>
+                <a16:creationId xmlns:a16="http://schemas.microsoft.com/office/drawing/2014/main" id="{CE7CD05F-028A-E1EA-84EF-B1D1E44FF7AF}"/>
               </a:ext>
             </a:extLst>
           </p:cNvPr>
@@ -4388,49 +4388,6 @@
             </a:fontRef>
           </p:style>
         </p:cxnSp>
-        <p:sp>
-          <p:nvSpPr>
-            <p:cNvPr id="70" name="テキスト ボックス 69">
-              <a:extLst>
-                <a:ext uri="{FF2B5EF4-FFF2-40B4-BE49-F238E27FC236}">
-                  <a16:creationId xmlns:a16="http://schemas.microsoft.com/office/drawing/2014/main" id="{8D961AD7-F22D-4D89-8543-F979BA3CC74A}"/>
-                </a:ext>
-              </a:extLst>
-            </p:cNvPr>
-            <p:cNvSpPr txBox="1"/>
-            <p:nvPr/>
-          </p:nvSpPr>
-          <p:spPr>
-            <a:xfrm>
-              <a:off x="7860448" y="-1387379"/>
-              <a:ext cx="1274708" cy="369332"/>
-            </a:xfrm>
-            <a:prstGeom prst="rect">
-              <a:avLst/>
-            </a:prstGeom>
-            <a:noFill/>
-          </p:spPr>
-          <p:txBody>
-            <a:bodyPr wrap="none" rtlCol="0">
-              <a:spAutoFit/>
-            </a:bodyPr>
-            <a:lstStyle/>
-            <a:p>
-              <a:r>
-                <a:rPr kumimoji="1" lang="en-US" altLang="ja-JP" dirty="0">
-                  <a:latin typeface="Arial" panose="020B0604020202020204" pitchFamily="34" charset="0"/>
-                  <a:ea typeface="Cambria Math" panose="02040503050406030204" pitchFamily="18" charset="0"/>
-                  <a:cs typeface="Arial" panose="020B0604020202020204" pitchFamily="34" charset="0"/>
-                </a:rPr>
-                <a:t>Machine B</a:t>
-              </a:r>
-              <a:endParaRPr kumimoji="1" lang="ja-JP" altLang="en-US" dirty="0">
-                <a:latin typeface="Times New Roman" panose="02020603050405020304" pitchFamily="18" charset="0"/>
-                <a:cs typeface="Times New Roman" panose="02020603050405020304" pitchFamily="18" charset="0"/>
-              </a:endParaRPr>
-            </a:p>
-          </p:txBody>
-        </p:sp>
         <p:grpSp>
           <p:nvGrpSpPr>
             <p:cNvPr id="119" name="グループ化 118">
@@ -5813,49 +5770,6 @@
         </p:grpSp>
         <p:sp>
           <p:nvSpPr>
-            <p:cNvPr id="48" name="テキスト ボックス 47">
-              <a:extLst>
-                <a:ext uri="{FF2B5EF4-FFF2-40B4-BE49-F238E27FC236}">
-                  <a16:creationId xmlns:a16="http://schemas.microsoft.com/office/drawing/2014/main" id="{715B3E1B-E983-0955-B6F7-F50D38E85185}"/>
-                </a:ext>
-              </a:extLst>
-            </p:cNvPr>
-            <p:cNvSpPr txBox="1"/>
-            <p:nvPr/>
-          </p:nvSpPr>
-          <p:spPr>
-            <a:xfrm>
-              <a:off x="2483338" y="-1393285"/>
-              <a:ext cx="1261949" cy="369332"/>
-            </a:xfrm>
-            <a:prstGeom prst="rect">
-              <a:avLst/>
-            </a:prstGeom>
-            <a:noFill/>
-          </p:spPr>
-          <p:txBody>
-            <a:bodyPr wrap="none" rtlCol="0">
-              <a:spAutoFit/>
-            </a:bodyPr>
-            <a:lstStyle/>
-            <a:p>
-              <a:r>
-                <a:rPr lang="en-US" altLang="ja-JP" dirty="0">
-                  <a:latin typeface="Arial" panose="020B0604020202020204" pitchFamily="34" charset="0"/>
-                  <a:ea typeface="Cambria Math" panose="02040503050406030204" pitchFamily="18" charset="0"/>
-                  <a:cs typeface="Arial" panose="020B0604020202020204" pitchFamily="34" charset="0"/>
-                </a:rPr>
-                <a:t>Machine A</a:t>
-              </a:r>
-              <a:endParaRPr kumimoji="1" lang="ja-JP" altLang="en-US" dirty="0">
-                <a:latin typeface="Arial" panose="020B0604020202020204" pitchFamily="34" charset="0"/>
-                <a:cs typeface="Arial" panose="020B0604020202020204" pitchFamily="34" charset="0"/>
-              </a:endParaRPr>
-            </a:p>
-          </p:txBody>
-        </p:sp>
-        <p:sp>
-          <p:nvSpPr>
             <p:cNvPr id="51" name="テキスト ボックス 50">
               <a:extLst>
                 <a:ext uri="{FF2B5EF4-FFF2-40B4-BE49-F238E27FC236}">
@@ -6689,6 +6603,216 @@
             </a:prstGeom>
           </p:spPr>
         </p:pic>
+        <p:grpSp>
+          <p:nvGrpSpPr>
+            <p:cNvPr id="8" name="グループ化 7">
+              <a:extLst>
+                <a:ext uri="{FF2B5EF4-FFF2-40B4-BE49-F238E27FC236}">
+                  <a16:creationId xmlns:a16="http://schemas.microsoft.com/office/drawing/2014/main" id="{86B6626C-17F6-0843-6292-90D3ABBC6577}"/>
+                </a:ext>
+              </a:extLst>
+            </p:cNvPr>
+            <p:cNvGrpSpPr/>
+            <p:nvPr/>
+          </p:nvGrpSpPr>
+          <p:grpSpPr>
+            <a:xfrm>
+              <a:off x="2379821" y="-1479625"/>
+              <a:ext cx="1708871" cy="541053"/>
+              <a:chOff x="2379821" y="-1479625"/>
+              <a:chExt cx="1708871" cy="541053"/>
+            </a:xfrm>
+          </p:grpSpPr>
+          <p:sp>
+            <p:nvSpPr>
+              <p:cNvPr id="48" name="テキスト ボックス 47">
+                <a:extLst>
+                  <a:ext uri="{FF2B5EF4-FFF2-40B4-BE49-F238E27FC236}">
+                    <a16:creationId xmlns:a16="http://schemas.microsoft.com/office/drawing/2014/main" id="{715B3E1B-E983-0955-B6F7-F50D38E85185}"/>
+                  </a:ext>
+                </a:extLst>
+              </p:cNvPr>
+              <p:cNvSpPr txBox="1"/>
+              <p:nvPr/>
+            </p:nvSpPr>
+            <p:spPr>
+              <a:xfrm>
+                <a:off x="2379821" y="-1393285"/>
+                <a:ext cx="1261949" cy="369332"/>
+              </a:xfrm>
+              <a:prstGeom prst="rect">
+                <a:avLst/>
+              </a:prstGeom>
+              <a:noFill/>
+            </p:spPr>
+            <p:txBody>
+              <a:bodyPr wrap="none" rtlCol="0">
+                <a:spAutoFit/>
+              </a:bodyPr>
+              <a:lstStyle/>
+              <a:p>
+                <a:r>
+                  <a:rPr lang="en-US" altLang="ja-JP" dirty="0">
+                    <a:latin typeface="Arial" panose="020B0604020202020204" pitchFamily="34" charset="0"/>
+                    <a:ea typeface="Cambria Math" panose="02040503050406030204" pitchFamily="18" charset="0"/>
+                    <a:cs typeface="Arial" panose="020B0604020202020204" pitchFamily="34" charset="0"/>
+                  </a:rPr>
+                  <a:t>Machine A</a:t>
+                </a:r>
+                <a:endParaRPr kumimoji="1" lang="ja-JP" altLang="en-US" dirty="0">
+                  <a:latin typeface="Arial" panose="020B0604020202020204" pitchFamily="34" charset="0"/>
+                  <a:cs typeface="Arial" panose="020B0604020202020204" pitchFamily="34" charset="0"/>
+                </a:endParaRPr>
+              </a:p>
+            </p:txBody>
+          </p:sp>
+          <p:pic>
+            <p:nvPicPr>
+              <p:cNvPr id="3" name="図 2">
+                <a:extLst>
+                  <a:ext uri="{FF2B5EF4-FFF2-40B4-BE49-F238E27FC236}">
+                    <a16:creationId xmlns:a16="http://schemas.microsoft.com/office/drawing/2014/main" id="{0BB4E7CB-5EF4-CE74-F618-D932A3D1A0D3}"/>
+                  </a:ext>
+                </a:extLst>
+              </p:cNvPr>
+              <p:cNvPicPr>
+                <a:picLocks noChangeAspect="1"/>
+              </p:cNvPicPr>
+              <p:nvPr/>
+            </p:nvPicPr>
+            <p:blipFill>
+              <a:blip r:embed="rId4">
+                <a:clrChange>
+                  <a:clrFrom>
+                    <a:srgbClr val="F7F7F7"/>
+                  </a:clrFrom>
+                  <a:clrTo>
+                    <a:srgbClr val="F7F7F7">
+                      <a:alpha val="0"/>
+                    </a:srgbClr>
+                  </a:clrTo>
+                </a:clrChange>
+              </a:blip>
+              <a:stretch>
+                <a:fillRect/>
+              </a:stretch>
+            </p:blipFill>
+            <p:spPr>
+              <a:xfrm>
+                <a:off x="3437221" y="-1479625"/>
+                <a:ext cx="651471" cy="541053"/>
+              </a:xfrm>
+              <a:prstGeom prst="rect">
+                <a:avLst/>
+              </a:prstGeom>
+            </p:spPr>
+          </p:pic>
+        </p:grpSp>
+        <p:grpSp>
+          <p:nvGrpSpPr>
+            <p:cNvPr id="9" name="グループ化 8">
+              <a:extLst>
+                <a:ext uri="{FF2B5EF4-FFF2-40B4-BE49-F238E27FC236}">
+                  <a16:creationId xmlns:a16="http://schemas.microsoft.com/office/drawing/2014/main" id="{EFEAC415-2118-785D-85D2-42476BF27100}"/>
+                </a:ext>
+              </a:extLst>
+            </p:cNvPr>
+            <p:cNvGrpSpPr/>
+            <p:nvPr/>
+          </p:nvGrpSpPr>
+          <p:grpSpPr>
+            <a:xfrm>
+              <a:off x="7800066" y="-1506659"/>
+              <a:ext cx="1719609" cy="623084"/>
+              <a:chOff x="7860448" y="-1506659"/>
+              <a:chExt cx="1719609" cy="623084"/>
+            </a:xfrm>
+          </p:grpSpPr>
+          <p:sp>
+            <p:nvSpPr>
+              <p:cNvPr id="70" name="テキスト ボックス 69">
+                <a:extLst>
+                  <a:ext uri="{FF2B5EF4-FFF2-40B4-BE49-F238E27FC236}">
+                    <a16:creationId xmlns:a16="http://schemas.microsoft.com/office/drawing/2014/main" id="{8D961AD7-F22D-4D89-8543-F979BA3CC74A}"/>
+                  </a:ext>
+                </a:extLst>
+              </p:cNvPr>
+              <p:cNvSpPr txBox="1"/>
+              <p:nvPr/>
+            </p:nvSpPr>
+            <p:spPr>
+              <a:xfrm>
+                <a:off x="7860448" y="-1387379"/>
+                <a:ext cx="1274708" cy="369332"/>
+              </a:xfrm>
+              <a:prstGeom prst="rect">
+                <a:avLst/>
+              </a:prstGeom>
+              <a:noFill/>
+            </p:spPr>
+            <p:txBody>
+              <a:bodyPr wrap="none" rtlCol="0">
+                <a:spAutoFit/>
+              </a:bodyPr>
+              <a:lstStyle/>
+              <a:p>
+                <a:r>
+                  <a:rPr kumimoji="1" lang="en-US" altLang="ja-JP" dirty="0">
+                    <a:latin typeface="Arial" panose="020B0604020202020204" pitchFamily="34" charset="0"/>
+                    <a:ea typeface="Cambria Math" panose="02040503050406030204" pitchFamily="18" charset="0"/>
+                    <a:cs typeface="Arial" panose="020B0604020202020204" pitchFamily="34" charset="0"/>
+                  </a:rPr>
+                  <a:t>Machine B</a:t>
+                </a:r>
+                <a:endParaRPr kumimoji="1" lang="ja-JP" altLang="en-US" dirty="0">
+                  <a:latin typeface="Times New Roman" panose="02020603050405020304" pitchFamily="18" charset="0"/>
+                  <a:cs typeface="Times New Roman" panose="02020603050405020304" pitchFamily="18" charset="0"/>
+                </a:endParaRPr>
+              </a:p>
+            </p:txBody>
+          </p:sp>
+          <p:pic>
+            <p:nvPicPr>
+              <p:cNvPr id="7" name="図 6">
+                <a:extLst>
+                  <a:ext uri="{FF2B5EF4-FFF2-40B4-BE49-F238E27FC236}">
+                    <a16:creationId xmlns:a16="http://schemas.microsoft.com/office/drawing/2014/main" id="{3C37D523-A63A-FDF9-B73D-E7A0B4F07B29}"/>
+                  </a:ext>
+                </a:extLst>
+              </p:cNvPr>
+              <p:cNvPicPr>
+                <a:picLocks noChangeAspect="1"/>
+              </p:cNvPicPr>
+              <p:nvPr/>
+            </p:nvPicPr>
+            <p:blipFill>
+              <a:blip r:embed="rId5">
+                <a:clrChange>
+                  <a:clrFrom>
+                    <a:srgbClr val="F7F7F7"/>
+                  </a:clrFrom>
+                  <a:clrTo>
+                    <a:srgbClr val="F7F7F7">
+                      <a:alpha val="0"/>
+                    </a:srgbClr>
+                  </a:clrTo>
+                </a:clrChange>
+              </a:blip>
+              <a:stretch>
+                <a:fillRect/>
+              </a:stretch>
+            </p:blipFill>
+            <p:spPr>
+              <a:xfrm>
+                <a:off x="8938880" y="-1506659"/>
+                <a:ext cx="641177" cy="623084"/>
+              </a:xfrm>
+              <a:prstGeom prst="rect">
+                <a:avLst/>
+              </a:prstGeom>
+            </p:spPr>
+          </p:pic>
+        </p:grpSp>
       </p:grpSp>
     </p:spTree>
     <p:extLst>

--- a/images/ffmpeg_pipeline_figs.pptx
+++ b/images/ffmpeg_pipeline_figs.pptx
@@ -5225,9 +5225,9 @@
           <p:grpSpPr>
             <a:xfrm>
               <a:off x="6214717" y="6244094"/>
-              <a:ext cx="2474556" cy="338554"/>
+              <a:ext cx="3798636" cy="338554"/>
               <a:chOff x="5615505" y="6309592"/>
-              <a:chExt cx="2474556" cy="338554"/>
+              <a:chExt cx="3798636" cy="338554"/>
             </a:xfrm>
           </p:grpSpPr>
           <p:cxnSp>
@@ -5290,7 +5290,7 @@
             <p:spPr>
               <a:xfrm>
                 <a:off x="6150106" y="6309592"/>
-                <a:ext cx="1939955" cy="338554"/>
+                <a:ext cx="3264035" cy="338554"/>
               </a:xfrm>
               <a:prstGeom prst="rect">
                 <a:avLst/>
@@ -5310,6 +5310,38 @@
                     <a:cs typeface="Arial" panose="020B0604020202020204" pitchFamily="34" charset="0"/>
                   </a:rPr>
                   <a:t>hardware_interface</a:t>
+                </a:r>
+                <a:r>
+                  <a:rPr lang="ja-JP" altLang="en-US" sz="1600" dirty="0">
+                    <a:latin typeface="Arial" panose="020B0604020202020204" pitchFamily="34" charset="0"/>
+                    <a:ea typeface="Cambria Math" panose="02040503050406030204" pitchFamily="18" charset="0"/>
+                    <a:cs typeface="Arial" panose="020B0604020202020204" pitchFamily="34" charset="0"/>
+                  </a:rPr>
+                  <a:t> </a:t>
+                </a:r>
+                <a:r>
+                  <a:rPr lang="en-US" altLang="ja-JP" sz="1600" dirty="0">
+                    <a:latin typeface="Arial" panose="020B0604020202020204" pitchFamily="34" charset="0"/>
+                    <a:ea typeface="Cambria Math" panose="02040503050406030204" pitchFamily="18" charset="0"/>
+                    <a:cs typeface="Arial" panose="020B0604020202020204" pitchFamily="34" charset="0"/>
+                  </a:rPr>
+                  <a:t>(</a:t>
+                </a:r>
+                <a:r>
+                  <a:rPr lang="en-US" altLang="ja-JP" sz="1600" i="1" dirty="0">
+                    <a:latin typeface="Times New Roman" panose="02020603050405020304" pitchFamily="18" charset="0"/>
+                    <a:ea typeface="Cambria Math" panose="02040503050406030204" pitchFamily="18" charset="0"/>
+                    <a:cs typeface="Times New Roman" panose="02020603050405020304" pitchFamily="18" charset="0"/>
+                  </a:rPr>
+                  <a:t>ros2_control</a:t>
+                </a:r>
+                <a:r>
+                  <a:rPr lang="en-US" altLang="ja-JP" sz="1600" dirty="0">
+                    <a:latin typeface="Arial" panose="020B0604020202020204" pitchFamily="34" charset="0"/>
+                    <a:ea typeface="Cambria Math" panose="02040503050406030204" pitchFamily="18" charset="0"/>
+                    <a:cs typeface="Arial" panose="020B0604020202020204" pitchFamily="34" charset="0"/>
+                  </a:rPr>
+                  <a:t>)</a:t>
                 </a:r>
                 <a:endParaRPr kumimoji="1" lang="ja-JP" altLang="en-US" sz="1600" dirty="0">
                   <a:latin typeface="Times New Roman" panose="02020603050405020304" pitchFamily="18" charset="0"/>

--- a/images/ffmpeg_pipeline_figs.pptx
+++ b/images/ffmpeg_pipeline_figs.pptx
@@ -259,7 +259,7 @@
           <a:p>
             <a:fld id="{8AFBAF07-7DCF-4465-8BA1-951AA5F2F55A}" type="datetimeFigureOut">
               <a:rPr kumimoji="1" lang="ja-JP" altLang="en-US" smtClean="0"/>
-              <a:t>2025/5/12</a:t>
+              <a:t>2025/5/13</a:t>
             </a:fld>
             <a:endParaRPr kumimoji="1" lang="ja-JP" altLang="en-US"/>
           </a:p>
@@ -489,7 +489,7 @@
           <a:p>
             <a:fld id="{8AFBAF07-7DCF-4465-8BA1-951AA5F2F55A}" type="datetimeFigureOut">
               <a:rPr kumimoji="1" lang="ja-JP" altLang="en-US" smtClean="0"/>
-              <a:t>2025/5/12</a:t>
+              <a:t>2025/5/13</a:t>
             </a:fld>
             <a:endParaRPr kumimoji="1" lang="ja-JP" altLang="en-US"/>
           </a:p>
@@ -729,7 +729,7 @@
           <a:p>
             <a:fld id="{8AFBAF07-7DCF-4465-8BA1-951AA5F2F55A}" type="datetimeFigureOut">
               <a:rPr kumimoji="1" lang="ja-JP" altLang="en-US" smtClean="0"/>
-              <a:t>2025/5/12</a:t>
+              <a:t>2025/5/13</a:t>
             </a:fld>
             <a:endParaRPr kumimoji="1" lang="ja-JP" altLang="en-US"/>
           </a:p>
@@ -959,7 +959,7 @@
           <a:p>
             <a:fld id="{8AFBAF07-7DCF-4465-8BA1-951AA5F2F55A}" type="datetimeFigureOut">
               <a:rPr kumimoji="1" lang="ja-JP" altLang="en-US" smtClean="0"/>
-              <a:t>2025/5/12</a:t>
+              <a:t>2025/5/13</a:t>
             </a:fld>
             <a:endParaRPr kumimoji="1" lang="ja-JP" altLang="en-US"/>
           </a:p>
@@ -1234,7 +1234,7 @@
           <a:p>
             <a:fld id="{8AFBAF07-7DCF-4465-8BA1-951AA5F2F55A}" type="datetimeFigureOut">
               <a:rPr kumimoji="1" lang="ja-JP" altLang="en-US" smtClean="0"/>
-              <a:t>2025/5/12</a:t>
+              <a:t>2025/5/13</a:t>
             </a:fld>
             <a:endParaRPr kumimoji="1" lang="ja-JP" altLang="en-US"/>
           </a:p>
@@ -1563,7 +1563,7 @@
           <a:p>
             <a:fld id="{8AFBAF07-7DCF-4465-8BA1-951AA5F2F55A}" type="datetimeFigureOut">
               <a:rPr kumimoji="1" lang="ja-JP" altLang="en-US" smtClean="0"/>
-              <a:t>2025/5/12</a:t>
+              <a:t>2025/5/13</a:t>
             </a:fld>
             <a:endParaRPr kumimoji="1" lang="ja-JP" altLang="en-US"/>
           </a:p>
@@ -2039,7 +2039,7 @@
           <a:p>
             <a:fld id="{8AFBAF07-7DCF-4465-8BA1-951AA5F2F55A}" type="datetimeFigureOut">
               <a:rPr kumimoji="1" lang="ja-JP" altLang="en-US" smtClean="0"/>
-              <a:t>2025/5/12</a:t>
+              <a:t>2025/5/13</a:t>
             </a:fld>
             <a:endParaRPr kumimoji="1" lang="ja-JP" altLang="en-US"/>
           </a:p>
@@ -2180,7 +2180,7 @@
           <a:p>
             <a:fld id="{8AFBAF07-7DCF-4465-8BA1-951AA5F2F55A}" type="datetimeFigureOut">
               <a:rPr kumimoji="1" lang="ja-JP" altLang="en-US" smtClean="0"/>
-              <a:t>2025/5/12</a:t>
+              <a:t>2025/5/13</a:t>
             </a:fld>
             <a:endParaRPr kumimoji="1" lang="ja-JP" altLang="en-US"/>
           </a:p>
@@ -2293,7 +2293,7 @@
           <a:p>
             <a:fld id="{8AFBAF07-7DCF-4465-8BA1-951AA5F2F55A}" type="datetimeFigureOut">
               <a:rPr kumimoji="1" lang="ja-JP" altLang="en-US" smtClean="0"/>
-              <a:t>2025/5/12</a:t>
+              <a:t>2025/5/13</a:t>
             </a:fld>
             <a:endParaRPr kumimoji="1" lang="ja-JP" altLang="en-US"/>
           </a:p>
@@ -2636,7 +2636,7 @@
           <a:p>
             <a:fld id="{8AFBAF07-7DCF-4465-8BA1-951AA5F2F55A}" type="datetimeFigureOut">
               <a:rPr kumimoji="1" lang="ja-JP" altLang="en-US" smtClean="0"/>
-              <a:t>2025/5/12</a:t>
+              <a:t>2025/5/13</a:t>
             </a:fld>
             <a:endParaRPr kumimoji="1" lang="ja-JP" altLang="en-US"/>
           </a:p>
@@ -2924,7 +2924,7 @@
           <a:p>
             <a:fld id="{8AFBAF07-7DCF-4465-8BA1-951AA5F2F55A}" type="datetimeFigureOut">
               <a:rPr kumimoji="1" lang="ja-JP" altLang="en-US" smtClean="0"/>
-              <a:t>2025/5/12</a:t>
+              <a:t>2025/5/13</a:t>
             </a:fld>
             <a:endParaRPr kumimoji="1" lang="ja-JP" altLang="en-US"/>
           </a:p>
@@ -3197,7 +3197,7 @@
           <a:p>
             <a:fld id="{8AFBAF07-7DCF-4465-8BA1-951AA5F2F55A}" type="datetimeFigureOut">
               <a:rPr kumimoji="1" lang="ja-JP" altLang="en-US" smtClean="0"/>
-              <a:t>2025/5/12</a:t>
+              <a:t>2025/5/13</a:t>
             </a:fld>
             <a:endParaRPr kumimoji="1" lang="ja-JP" altLang="en-US"/>
           </a:p>
@@ -3622,10 +3622,10 @@
       </p:grpSpPr>
       <p:grpSp>
         <p:nvGrpSpPr>
-          <p:cNvPr id="12" name="グループ化 11">
+          <p:cNvPr id="46" name="グループ化 45">
             <a:extLst>
               <a:ext uri="{FF2B5EF4-FFF2-40B4-BE49-F238E27FC236}">
-                <a16:creationId xmlns:a16="http://schemas.microsoft.com/office/drawing/2014/main" id="{CE7CD05F-028A-E1EA-84EF-B1D1E44FF7AF}"/>
+                <a16:creationId xmlns:a16="http://schemas.microsoft.com/office/drawing/2014/main" id="{126962FE-C454-3918-3005-AB2E76E774EC}"/>
               </a:ext>
             </a:extLst>
           </p:cNvPr>
@@ -4036,122 +4036,6 @@
             </p:txBody>
           </p:sp>
         </p:grpSp>
-        <p:grpSp>
-          <p:nvGrpSpPr>
-            <p:cNvPr id="141" name="グループ化 140">
-              <a:extLst>
-                <a:ext uri="{FF2B5EF4-FFF2-40B4-BE49-F238E27FC236}">
-                  <a16:creationId xmlns:a16="http://schemas.microsoft.com/office/drawing/2014/main" id="{F7445C39-66BF-4F2B-2C91-6C52F55DA947}"/>
-                </a:ext>
-              </a:extLst>
-            </p:cNvPr>
-            <p:cNvGrpSpPr/>
-            <p:nvPr/>
-          </p:nvGrpSpPr>
-          <p:grpSpPr>
-            <a:xfrm>
-              <a:off x="7052555" y="3472718"/>
-              <a:ext cx="2154394" cy="608575"/>
-              <a:chOff x="7052555" y="3472718"/>
-              <a:chExt cx="2154394" cy="608575"/>
-            </a:xfrm>
-          </p:grpSpPr>
-          <p:sp>
-            <p:nvSpPr>
-              <p:cNvPr id="19" name="四角形: 角を丸くする 18">
-                <a:extLst>
-                  <a:ext uri="{FF2B5EF4-FFF2-40B4-BE49-F238E27FC236}">
-                    <a16:creationId xmlns:a16="http://schemas.microsoft.com/office/drawing/2014/main" id="{F0B6378B-0248-CFAB-1526-D28EF522CAE6}"/>
-                  </a:ext>
-                </a:extLst>
-              </p:cNvPr>
-              <p:cNvSpPr/>
-              <p:nvPr/>
-            </p:nvSpPr>
-            <p:spPr>
-              <a:xfrm>
-                <a:off x="7052555" y="3472718"/>
-                <a:ext cx="2154394" cy="608575"/>
-              </a:xfrm>
-              <a:prstGeom prst="roundRect">
-                <a:avLst>
-                  <a:gd name="adj" fmla="val 50000"/>
-                </a:avLst>
-              </a:prstGeom>
-              <a:solidFill>
-                <a:schemeClr val="bg1"/>
-              </a:solidFill>
-            </p:spPr>
-            <p:style>
-              <a:lnRef idx="2">
-                <a:schemeClr val="accent1">
-                  <a:shade val="15000"/>
-                </a:schemeClr>
-              </a:lnRef>
-              <a:fillRef idx="1">
-                <a:schemeClr val="accent1"/>
-              </a:fillRef>
-              <a:effectRef idx="0">
-                <a:schemeClr val="accent1"/>
-              </a:effectRef>
-              <a:fontRef idx="minor">
-                <a:schemeClr val="lt1"/>
-              </a:fontRef>
-            </p:style>
-            <p:txBody>
-              <a:bodyPr rtlCol="0" anchor="ctr"/>
-              <a:lstStyle/>
-              <a:p>
-                <a:pPr algn="ctr"/>
-                <a:endParaRPr kumimoji="1" lang="ja-JP" altLang="en-US"/>
-              </a:p>
-            </p:txBody>
-          </p:sp>
-          <p:sp>
-            <p:nvSpPr>
-              <p:cNvPr id="18" name="テキスト ボックス 17">
-                <a:extLst>
-                  <a:ext uri="{FF2B5EF4-FFF2-40B4-BE49-F238E27FC236}">
-                    <a16:creationId xmlns:a16="http://schemas.microsoft.com/office/drawing/2014/main" id="{EB7CFCAF-97CD-0CB2-2AA0-473EDC941821}"/>
-                  </a:ext>
-                </a:extLst>
-              </p:cNvPr>
-              <p:cNvSpPr txBox="1"/>
-              <p:nvPr/>
-            </p:nvSpPr>
-            <p:spPr>
-              <a:xfrm>
-                <a:off x="7325684" y="3592339"/>
-                <a:ext cx="1608133" cy="369332"/>
-              </a:xfrm>
-              <a:prstGeom prst="rect">
-                <a:avLst/>
-              </a:prstGeom>
-              <a:noFill/>
-            </p:spPr>
-            <p:txBody>
-              <a:bodyPr wrap="none" rtlCol="0">
-                <a:spAutoFit/>
-              </a:bodyPr>
-              <a:lstStyle/>
-              <a:p>
-                <a:pPr algn="ctr"/>
-                <a:r>
-                  <a:rPr lang="en-US" altLang="ja-JP" i="1" dirty="0" err="1">
-                    <a:latin typeface="Times New Roman" panose="02020603050405020304" pitchFamily="18" charset="0"/>
-                    <a:ea typeface="Cambria Math" panose="02040503050406030204" pitchFamily="18" charset="0"/>
-                    <a:cs typeface="Times New Roman" panose="02020603050405020304" pitchFamily="18" charset="0"/>
-                  </a:rPr>
-                  <a:t>FFmpegOutput</a:t>
-                </a:r>
-                <a:endParaRPr kumimoji="1" lang="ja-JP" altLang="en-US" dirty="0">
-                  <a:latin typeface="Times New Roman" panose="02020603050405020304" pitchFamily="18" charset="0"/>
-                  <a:cs typeface="Times New Roman" panose="02020603050405020304" pitchFamily="18" charset="0"/>
-                </a:endParaRPr>
-              </a:p>
-            </p:txBody>
-          </p:sp>
-        </p:grpSp>
         <p:sp>
           <p:nvSpPr>
             <p:cNvPr id="21" name="四角形: 角を丸くする 20">
@@ -4306,14 +4190,14 @@
             <p:cNvCxnSpPr>
               <a:cxnSpLocks/>
               <a:stCxn id="17" idx="2"/>
-              <a:endCxn id="19" idx="0"/>
+              <a:endCxn id="23" idx="0"/>
             </p:cNvCxnSpPr>
             <p:nvPr/>
           </p:nvCxnSpPr>
           <p:spPr>
-            <a:xfrm>
-              <a:off x="8129752" y="2814741"/>
-              <a:ext cx="0" cy="657977"/>
+            <a:xfrm flipH="1">
+              <a:off x="8129741" y="2814741"/>
+              <a:ext cx="11" cy="656971"/>
             </a:xfrm>
             <a:prstGeom prst="straightConnector1">
               <a:avLst/>
@@ -4352,15 +4236,15 @@
             </p:cNvPr>
             <p:cNvCxnSpPr>
               <a:cxnSpLocks/>
-              <a:stCxn id="19" idx="2"/>
+              <a:stCxn id="23" idx="2"/>
               <a:endCxn id="21" idx="0"/>
             </p:cNvCxnSpPr>
             <p:nvPr/>
           </p:nvCxnSpPr>
           <p:spPr>
             <a:xfrm>
-              <a:off x="8129752" y="4081293"/>
-              <a:ext cx="0" cy="814601"/>
+              <a:off x="8129741" y="4075319"/>
+              <a:ext cx="11" cy="820575"/>
             </a:xfrm>
             <a:prstGeom prst="straightConnector1">
               <a:avLst/>
@@ -4504,122 +4388,6 @@
             </p:txBody>
           </p:sp>
         </p:grpSp>
-        <p:grpSp>
-          <p:nvGrpSpPr>
-            <p:cNvPr id="120" name="グループ化 119">
-              <a:extLst>
-                <a:ext uri="{FF2B5EF4-FFF2-40B4-BE49-F238E27FC236}">
-                  <a16:creationId xmlns:a16="http://schemas.microsoft.com/office/drawing/2014/main" id="{8E84B74E-9BBD-7044-944A-C487817E31B0}"/>
-                </a:ext>
-              </a:extLst>
-            </p:cNvPr>
-            <p:cNvGrpSpPr/>
-            <p:nvPr/>
-          </p:nvGrpSpPr>
-          <p:grpSpPr>
-            <a:xfrm>
-              <a:off x="2483339" y="3404622"/>
-              <a:ext cx="2296596" cy="608575"/>
-              <a:chOff x="2483339" y="3472718"/>
-              <a:chExt cx="2296596" cy="608575"/>
-            </a:xfrm>
-          </p:grpSpPr>
-          <p:sp>
-            <p:nvSpPr>
-              <p:cNvPr id="84" name="四角形: 角を丸くする 83">
-                <a:extLst>
-                  <a:ext uri="{FF2B5EF4-FFF2-40B4-BE49-F238E27FC236}">
-                    <a16:creationId xmlns:a16="http://schemas.microsoft.com/office/drawing/2014/main" id="{2C461431-3FCB-7F7C-6B47-E841140DD959}"/>
-                  </a:ext>
-                </a:extLst>
-              </p:cNvPr>
-              <p:cNvSpPr/>
-              <p:nvPr/>
-            </p:nvSpPr>
-            <p:spPr>
-              <a:xfrm>
-                <a:off x="2483339" y="3472718"/>
-                <a:ext cx="2296596" cy="608575"/>
-              </a:xfrm>
-              <a:prstGeom prst="roundRect">
-                <a:avLst>
-                  <a:gd name="adj" fmla="val 50000"/>
-                </a:avLst>
-              </a:prstGeom>
-              <a:solidFill>
-                <a:schemeClr val="bg1"/>
-              </a:solidFill>
-            </p:spPr>
-            <p:style>
-              <a:lnRef idx="2">
-                <a:schemeClr val="accent1">
-                  <a:shade val="15000"/>
-                </a:schemeClr>
-              </a:lnRef>
-              <a:fillRef idx="1">
-                <a:schemeClr val="accent1"/>
-              </a:fillRef>
-              <a:effectRef idx="0">
-                <a:schemeClr val="accent1"/>
-              </a:effectRef>
-              <a:fontRef idx="minor">
-                <a:schemeClr val="lt1"/>
-              </a:fontRef>
-            </p:style>
-            <p:txBody>
-              <a:bodyPr rtlCol="0" anchor="ctr"/>
-              <a:lstStyle/>
-              <a:p>
-                <a:pPr algn="ctr"/>
-                <a:endParaRPr kumimoji="1" lang="ja-JP" altLang="en-US"/>
-              </a:p>
-            </p:txBody>
-          </p:sp>
-          <p:sp>
-            <p:nvSpPr>
-              <p:cNvPr id="83" name="テキスト ボックス 82">
-                <a:extLst>
-                  <a:ext uri="{FF2B5EF4-FFF2-40B4-BE49-F238E27FC236}">
-                    <a16:creationId xmlns:a16="http://schemas.microsoft.com/office/drawing/2014/main" id="{002AE026-F987-1F62-A401-09E238C0457D}"/>
-                  </a:ext>
-                </a:extLst>
-              </p:cNvPr>
-              <p:cNvSpPr txBox="1"/>
-              <p:nvPr/>
-            </p:nvSpPr>
-            <p:spPr>
-              <a:xfrm>
-                <a:off x="2904515" y="3592339"/>
-                <a:ext cx="1454244" cy="369332"/>
-              </a:xfrm>
-              <a:prstGeom prst="rect">
-                <a:avLst/>
-              </a:prstGeom>
-              <a:noFill/>
-            </p:spPr>
-            <p:txBody>
-              <a:bodyPr wrap="none" rtlCol="0">
-                <a:spAutoFit/>
-              </a:bodyPr>
-              <a:lstStyle/>
-              <a:p>
-                <a:pPr algn="ctr"/>
-                <a:r>
-                  <a:rPr lang="en-US" altLang="ja-JP" i="1" dirty="0" err="1">
-                    <a:latin typeface="Times New Roman" panose="02020603050405020304" pitchFamily="18" charset="0"/>
-                    <a:ea typeface="Cambria Math" panose="02040503050406030204" pitchFamily="18" charset="0"/>
-                    <a:cs typeface="Times New Roman" panose="02020603050405020304" pitchFamily="18" charset="0"/>
-                  </a:rPr>
-                  <a:t>FFmpegInput</a:t>
-                </a:r>
-                <a:endParaRPr kumimoji="1" lang="ja-JP" altLang="en-US" dirty="0">
-                  <a:latin typeface="Times New Roman" panose="02020603050405020304" pitchFamily="18" charset="0"/>
-                  <a:cs typeface="Times New Roman" panose="02020603050405020304" pitchFamily="18" charset="0"/>
-                </a:endParaRPr>
-              </a:p>
-            </p:txBody>
-          </p:sp>
-        </p:grpSp>
         <p:cxnSp>
           <p:nvCxnSpPr>
             <p:cNvPr id="88" name="直線矢印コネクタ 87">
@@ -4679,14 +4447,14 @@
             <p:cNvCxnSpPr>
               <a:cxnSpLocks/>
               <a:stCxn id="81" idx="2"/>
-              <a:endCxn id="84" idx="0"/>
+              <a:endCxn id="2" idx="0"/>
             </p:cNvCxnSpPr>
             <p:nvPr/>
           </p:nvCxnSpPr>
           <p:spPr>
-            <a:xfrm>
-              <a:off x="3631637" y="2769345"/>
-              <a:ext cx="0" cy="635277"/>
+            <a:xfrm flipH="1">
+              <a:off x="3630000" y="2769345"/>
+              <a:ext cx="1637" cy="635277"/>
             </a:xfrm>
             <a:prstGeom prst="straightConnector1">
               <a:avLst/>
@@ -4725,15 +4493,15 @@
             </p:cNvPr>
             <p:cNvCxnSpPr>
               <a:cxnSpLocks/>
-              <a:stCxn id="84" idx="2"/>
+              <a:stCxn id="2" idx="2"/>
               <a:endCxn id="87" idx="0"/>
             </p:cNvCxnSpPr>
             <p:nvPr/>
           </p:nvCxnSpPr>
           <p:spPr>
             <a:xfrm>
-              <a:off x="3631637" y="4013197"/>
-              <a:ext cx="0" cy="882699"/>
+              <a:off x="3630000" y="4008229"/>
+              <a:ext cx="1637" cy="887667"/>
             </a:xfrm>
             <a:prstGeom prst="straightConnector1">
               <a:avLst/>
@@ -5224,7 +4992,7 @@
           </p:nvGrpSpPr>
           <p:grpSpPr>
             <a:xfrm>
-              <a:off x="6214717" y="6244094"/>
+              <a:off x="5729290" y="6265533"/>
               <a:ext cx="3798636" cy="338554"/>
               <a:chOff x="5615505" y="6309592"/>
               <a:chExt cx="3798636" cy="338554"/>
@@ -5365,7 +5133,7 @@
           </p:nvGrpSpPr>
           <p:grpSpPr>
             <a:xfrm>
-              <a:off x="6214717" y="6581838"/>
+              <a:off x="5729290" y="6627606"/>
               <a:ext cx="3009158" cy="338554"/>
               <a:chOff x="5615505" y="6649934"/>
               <a:chExt cx="3009158" cy="338554"/>
@@ -5462,10 +5230,10 @@
         </p:grpSp>
         <p:grpSp>
           <p:nvGrpSpPr>
-            <p:cNvPr id="65" name="グループ化 64">
+            <p:cNvPr id="42" name="グループ化 41">
               <a:extLst>
                 <a:ext uri="{FF2B5EF4-FFF2-40B4-BE49-F238E27FC236}">
-                  <a16:creationId xmlns:a16="http://schemas.microsoft.com/office/drawing/2014/main" id="{D62F53D8-78BA-56D0-E4DA-770E0D66413D}"/>
+                  <a16:creationId xmlns:a16="http://schemas.microsoft.com/office/drawing/2014/main" id="{B392682C-83FF-4671-88AD-A77A370A94B6}"/>
                 </a:ext>
               </a:extLst>
             </p:cNvPr>
@@ -5474,10 +5242,10 @@
           </p:nvGrpSpPr>
           <p:grpSpPr>
             <a:xfrm>
-              <a:off x="2685057" y="5905392"/>
-              <a:ext cx="3048001" cy="338554"/>
-              <a:chOff x="1790109" y="5973488"/>
-              <a:chExt cx="3048001" cy="338554"/>
+              <a:off x="2984019" y="5903460"/>
+              <a:ext cx="2088891" cy="338554"/>
+              <a:chOff x="2685057" y="5905392"/>
+              <a:chExt cx="2088891" cy="338554"/>
             </a:xfrm>
           </p:grpSpPr>
           <p:sp>
@@ -5494,7 +5262,7 @@
             </p:nvSpPr>
             <p:spPr>
               <a:xfrm>
-                <a:off x="1790109" y="6040112"/>
+                <a:off x="2685057" y="5972016"/>
                 <a:ext cx="414706" cy="205984"/>
               </a:xfrm>
               <a:prstGeom prst="roundRect">
@@ -5545,8 +5313,8 @@
             </p:nvSpPr>
             <p:spPr>
               <a:xfrm>
-                <a:off x="2216880" y="5973488"/>
-                <a:ext cx="2621230" cy="338554"/>
+                <a:off x="3098489" y="5905392"/>
+                <a:ext cx="1675459" cy="338554"/>
               </a:xfrm>
               <a:prstGeom prst="rect">
                 <a:avLst/>
@@ -5565,7 +5333,7 @@
                     <a:ea typeface="Cambria Math" panose="02040503050406030204" pitchFamily="18" charset="0"/>
                     <a:cs typeface="Arial" panose="020B0604020202020204" pitchFamily="34" charset="0"/>
                   </a:rPr>
-                  <a:t>Hardware/Controller plugin</a:t>
+                  <a:t>Controller plugin</a:t>
                 </a:r>
                 <a:endParaRPr kumimoji="1" lang="ja-JP" altLang="en-US" sz="1600" dirty="0">
                   <a:latin typeface="Times New Roman" panose="02020603050405020304" pitchFamily="18" charset="0"/>
@@ -5589,7 +5357,7 @@
           </p:nvGrpSpPr>
           <p:grpSpPr>
             <a:xfrm>
-              <a:off x="6214717" y="5901529"/>
+              <a:off x="5729290" y="5903460"/>
               <a:ext cx="1825339" cy="338554"/>
               <a:chOff x="5611601" y="5969625"/>
               <a:chExt cx="1825339" cy="338554"/>
@@ -5687,10 +5455,10 @@
         </p:grpSp>
         <p:grpSp>
           <p:nvGrpSpPr>
-            <p:cNvPr id="64" name="グループ化 63">
+            <p:cNvPr id="40" name="グループ化 39">
               <a:extLst>
                 <a:ext uri="{FF2B5EF4-FFF2-40B4-BE49-F238E27FC236}">
-                  <a16:creationId xmlns:a16="http://schemas.microsoft.com/office/drawing/2014/main" id="{BA4A87B3-F8AE-98EC-3675-0376B1E6FF21}"/>
+                  <a16:creationId xmlns:a16="http://schemas.microsoft.com/office/drawing/2014/main" id="{AFA4FF78-16E6-B4C5-B3CE-C2491D39D948}"/>
                 </a:ext>
               </a:extLst>
             </p:cNvPr>
@@ -5699,10 +5467,10 @@
           </p:nvGrpSpPr>
           <p:grpSpPr>
             <a:xfrm>
-              <a:off x="2727251" y="6244094"/>
-              <a:ext cx="1194414" cy="338554"/>
-              <a:chOff x="1832303" y="6298273"/>
-              <a:chExt cx="1194414" cy="338554"/>
+              <a:off x="3026214" y="6627606"/>
+              <a:ext cx="1181074" cy="338554"/>
+              <a:chOff x="2727252" y="6558424"/>
+              <a:chExt cx="1181074" cy="338554"/>
             </a:xfrm>
           </p:grpSpPr>
           <p:sp>
@@ -5719,7 +5487,7 @@
             </p:nvSpPr>
             <p:spPr>
               <a:xfrm>
-                <a:off x="1832303" y="6364897"/>
+                <a:off x="2727252" y="6625048"/>
                 <a:ext cx="330316" cy="205984"/>
               </a:xfrm>
               <a:prstGeom prst="roundRect">
@@ -5770,7 +5538,7 @@
             </p:nvSpPr>
             <p:spPr>
               <a:xfrm>
-                <a:off x="2216880" y="6298273"/>
+                <a:off x="3098489" y="6558424"/>
                 <a:ext cx="809837" cy="338554"/>
               </a:xfrm>
               <a:prstGeom prst="rect">
@@ -5814,7 +5582,7 @@
           </p:nvSpPr>
           <p:spPr>
             <a:xfrm>
-              <a:off x="5080974" y="-1169122"/>
+              <a:off x="5102406" y="-1169122"/>
               <a:ext cx="1468672" cy="307777"/>
             </a:xfrm>
             <a:prstGeom prst="rect">
@@ -6845,6 +6613,347 @@
             </p:spPr>
           </p:pic>
         </p:grpSp>
+        <p:grpSp>
+          <p:nvGrpSpPr>
+            <p:cNvPr id="28" name="グループ化 27">
+              <a:extLst>
+                <a:ext uri="{FF2B5EF4-FFF2-40B4-BE49-F238E27FC236}">
+                  <a16:creationId xmlns:a16="http://schemas.microsoft.com/office/drawing/2014/main" id="{07A5E401-97FD-91E1-13D8-E56B829C0FBA}"/>
+                </a:ext>
+              </a:extLst>
+            </p:cNvPr>
+            <p:cNvGrpSpPr/>
+            <p:nvPr/>
+          </p:nvGrpSpPr>
+          <p:grpSpPr>
+            <a:xfrm>
+              <a:off x="2480068" y="3404622"/>
+              <a:ext cx="2299864" cy="603607"/>
+              <a:chOff x="2480068" y="3404622"/>
+              <a:chExt cx="2299864" cy="603607"/>
+            </a:xfrm>
+          </p:grpSpPr>
+          <p:sp>
+            <p:nvSpPr>
+              <p:cNvPr id="2" name="フローチャート: 準備 1">
+                <a:extLst>
+                  <a:ext uri="{FF2B5EF4-FFF2-40B4-BE49-F238E27FC236}">
+                    <a16:creationId xmlns:a16="http://schemas.microsoft.com/office/drawing/2014/main" id="{C69B9F3F-7A1F-E1A3-7EDA-F5FBC7A674A5}"/>
+                  </a:ext>
+                </a:extLst>
+              </p:cNvPr>
+              <p:cNvSpPr/>
+              <p:nvPr/>
+            </p:nvSpPr>
+            <p:spPr>
+              <a:xfrm>
+                <a:off x="2480068" y="3404622"/>
+                <a:ext cx="2299864" cy="603607"/>
+              </a:xfrm>
+              <a:prstGeom prst="flowChartPreparation">
+                <a:avLst/>
+              </a:prstGeom>
+              <a:solidFill>
+                <a:schemeClr val="bg1"/>
+              </a:solidFill>
+            </p:spPr>
+            <p:style>
+              <a:lnRef idx="2">
+                <a:schemeClr val="accent1">
+                  <a:shade val="15000"/>
+                </a:schemeClr>
+              </a:lnRef>
+              <a:fillRef idx="1">
+                <a:schemeClr val="accent1"/>
+              </a:fillRef>
+              <a:effectRef idx="0">
+                <a:schemeClr val="accent1"/>
+              </a:effectRef>
+              <a:fontRef idx="minor">
+                <a:schemeClr val="lt1"/>
+              </a:fontRef>
+            </p:style>
+            <p:txBody>
+              <a:bodyPr rtlCol="0" anchor="ctr"/>
+              <a:lstStyle/>
+              <a:p>
+                <a:pPr algn="ctr"/>
+                <a:endParaRPr kumimoji="1" lang="ja-JP" altLang="en-US"/>
+              </a:p>
+            </p:txBody>
+          </p:sp>
+          <p:sp>
+            <p:nvSpPr>
+              <p:cNvPr id="83" name="テキスト ボックス 82">
+                <a:extLst>
+                  <a:ext uri="{FF2B5EF4-FFF2-40B4-BE49-F238E27FC236}">
+                    <a16:creationId xmlns:a16="http://schemas.microsoft.com/office/drawing/2014/main" id="{002AE026-F987-1F62-A401-09E238C0457D}"/>
+                  </a:ext>
+                </a:extLst>
+              </p:cNvPr>
+              <p:cNvSpPr txBox="1"/>
+              <p:nvPr/>
+            </p:nvSpPr>
+            <p:spPr>
+              <a:xfrm>
+                <a:off x="2904515" y="3524243"/>
+                <a:ext cx="1454244" cy="369332"/>
+              </a:xfrm>
+              <a:prstGeom prst="rect">
+                <a:avLst/>
+              </a:prstGeom>
+              <a:noFill/>
+            </p:spPr>
+            <p:txBody>
+              <a:bodyPr wrap="none" rtlCol="0">
+                <a:spAutoFit/>
+              </a:bodyPr>
+              <a:lstStyle/>
+              <a:p>
+                <a:pPr algn="ctr"/>
+                <a:r>
+                  <a:rPr lang="en-US" altLang="ja-JP" i="1" dirty="0" err="1">
+                    <a:latin typeface="Times New Roman" panose="02020603050405020304" pitchFamily="18" charset="0"/>
+                    <a:ea typeface="Cambria Math" panose="02040503050406030204" pitchFamily="18" charset="0"/>
+                    <a:cs typeface="Times New Roman" panose="02020603050405020304" pitchFamily="18" charset="0"/>
+                  </a:rPr>
+                  <a:t>FFmpegInput</a:t>
+                </a:r>
+                <a:endParaRPr kumimoji="1" lang="ja-JP" altLang="en-US" dirty="0">
+                  <a:latin typeface="Times New Roman" panose="02020603050405020304" pitchFamily="18" charset="0"/>
+                  <a:cs typeface="Times New Roman" panose="02020603050405020304" pitchFamily="18" charset="0"/>
+                </a:endParaRPr>
+              </a:p>
+            </p:txBody>
+          </p:sp>
+        </p:grpSp>
+        <p:grpSp>
+          <p:nvGrpSpPr>
+            <p:cNvPr id="27" name="グループ化 26">
+              <a:extLst>
+                <a:ext uri="{FF2B5EF4-FFF2-40B4-BE49-F238E27FC236}">
+                  <a16:creationId xmlns:a16="http://schemas.microsoft.com/office/drawing/2014/main" id="{F9FC7B82-963C-CDF8-C1A2-51FA12B35F63}"/>
+                </a:ext>
+              </a:extLst>
+            </p:cNvPr>
+            <p:cNvGrpSpPr/>
+            <p:nvPr/>
+          </p:nvGrpSpPr>
+          <p:grpSpPr>
+            <a:xfrm>
+              <a:off x="7052543" y="3471712"/>
+              <a:ext cx="2154396" cy="603607"/>
+              <a:chOff x="7052543" y="3471712"/>
+              <a:chExt cx="2154396" cy="603607"/>
+            </a:xfrm>
+          </p:grpSpPr>
+          <p:sp>
+            <p:nvSpPr>
+              <p:cNvPr id="23" name="フローチャート: 準備 22">
+                <a:extLst>
+                  <a:ext uri="{FF2B5EF4-FFF2-40B4-BE49-F238E27FC236}">
+                    <a16:creationId xmlns:a16="http://schemas.microsoft.com/office/drawing/2014/main" id="{1CE92436-CC21-0FE3-3655-E4E1CF6001C4}"/>
+                  </a:ext>
+                </a:extLst>
+              </p:cNvPr>
+              <p:cNvSpPr/>
+              <p:nvPr/>
+            </p:nvSpPr>
+            <p:spPr>
+              <a:xfrm>
+                <a:off x="7052543" y="3471712"/>
+                <a:ext cx="2154396" cy="603607"/>
+              </a:xfrm>
+              <a:prstGeom prst="flowChartPreparation">
+                <a:avLst/>
+              </a:prstGeom>
+              <a:solidFill>
+                <a:schemeClr val="bg1"/>
+              </a:solidFill>
+            </p:spPr>
+            <p:style>
+              <a:lnRef idx="2">
+                <a:schemeClr val="accent1">
+                  <a:shade val="15000"/>
+                </a:schemeClr>
+              </a:lnRef>
+              <a:fillRef idx="1">
+                <a:schemeClr val="accent1"/>
+              </a:fillRef>
+              <a:effectRef idx="0">
+                <a:schemeClr val="accent1"/>
+              </a:effectRef>
+              <a:fontRef idx="minor">
+                <a:schemeClr val="lt1"/>
+              </a:fontRef>
+            </p:style>
+            <p:txBody>
+              <a:bodyPr rtlCol="0" anchor="ctr"/>
+              <a:lstStyle/>
+              <a:p>
+                <a:pPr algn="ctr"/>
+                <a:endParaRPr kumimoji="1" lang="ja-JP" altLang="en-US"/>
+              </a:p>
+            </p:txBody>
+          </p:sp>
+          <p:sp>
+            <p:nvSpPr>
+              <p:cNvPr id="18" name="テキスト ボックス 17">
+                <a:extLst>
+                  <a:ext uri="{FF2B5EF4-FFF2-40B4-BE49-F238E27FC236}">
+                    <a16:creationId xmlns:a16="http://schemas.microsoft.com/office/drawing/2014/main" id="{EB7CFCAF-97CD-0CB2-2AA0-473EDC941821}"/>
+                  </a:ext>
+                </a:extLst>
+              </p:cNvPr>
+              <p:cNvSpPr txBox="1"/>
+              <p:nvPr/>
+            </p:nvSpPr>
+            <p:spPr>
+              <a:xfrm>
+                <a:off x="7325684" y="3592339"/>
+                <a:ext cx="1608133" cy="369332"/>
+              </a:xfrm>
+              <a:prstGeom prst="rect">
+                <a:avLst/>
+              </a:prstGeom>
+              <a:noFill/>
+            </p:spPr>
+            <p:txBody>
+              <a:bodyPr wrap="none" rtlCol="0">
+                <a:spAutoFit/>
+              </a:bodyPr>
+              <a:lstStyle/>
+              <a:p>
+                <a:pPr algn="ctr"/>
+                <a:r>
+                  <a:rPr lang="en-US" altLang="ja-JP" i="1" dirty="0" err="1">
+                    <a:latin typeface="Times New Roman" panose="02020603050405020304" pitchFamily="18" charset="0"/>
+                    <a:ea typeface="Cambria Math" panose="02040503050406030204" pitchFamily="18" charset="0"/>
+                    <a:cs typeface="Times New Roman" panose="02020603050405020304" pitchFamily="18" charset="0"/>
+                  </a:rPr>
+                  <a:t>FFmpegOutput</a:t>
+                </a:r>
+                <a:endParaRPr kumimoji="1" lang="ja-JP" altLang="en-US" dirty="0">
+                  <a:latin typeface="Times New Roman" panose="02020603050405020304" pitchFamily="18" charset="0"/>
+                  <a:cs typeface="Times New Roman" panose="02020603050405020304" pitchFamily="18" charset="0"/>
+                </a:endParaRPr>
+              </a:p>
+            </p:txBody>
+          </p:sp>
+        </p:grpSp>
+        <p:grpSp>
+          <p:nvGrpSpPr>
+            <p:cNvPr id="41" name="グループ化 40">
+              <a:extLst>
+                <a:ext uri="{FF2B5EF4-FFF2-40B4-BE49-F238E27FC236}">
+                  <a16:creationId xmlns:a16="http://schemas.microsoft.com/office/drawing/2014/main" id="{35E1271A-5E4F-8754-730C-31B5A1D38F94}"/>
+                </a:ext>
+              </a:extLst>
+            </p:cNvPr>
+            <p:cNvGrpSpPr/>
+            <p:nvPr/>
+          </p:nvGrpSpPr>
+          <p:grpSpPr>
+            <a:xfrm>
+              <a:off x="2984019" y="6265533"/>
+              <a:ext cx="2146599" cy="338554"/>
+              <a:chOff x="2685057" y="6231908"/>
+              <a:chExt cx="2146599" cy="338554"/>
+            </a:xfrm>
+          </p:grpSpPr>
+          <p:sp>
+            <p:nvSpPr>
+              <p:cNvPr id="38" name="テキスト ボックス 37">
+                <a:extLst>
+                  <a:ext uri="{FF2B5EF4-FFF2-40B4-BE49-F238E27FC236}">
+                    <a16:creationId xmlns:a16="http://schemas.microsoft.com/office/drawing/2014/main" id="{BD1E7C9D-8E23-81B0-8D7E-CEDD96F4DA45}"/>
+                  </a:ext>
+                </a:extLst>
+              </p:cNvPr>
+              <p:cNvSpPr txBox="1"/>
+              <p:nvPr/>
+            </p:nvSpPr>
+            <p:spPr>
+              <a:xfrm>
+                <a:off x="3098489" y="6231908"/>
+                <a:ext cx="1733167" cy="338554"/>
+              </a:xfrm>
+              <a:prstGeom prst="rect">
+                <a:avLst/>
+              </a:prstGeom>
+              <a:noFill/>
+            </p:spPr>
+            <p:txBody>
+              <a:bodyPr wrap="none" rtlCol="0">
+                <a:spAutoFit/>
+              </a:bodyPr>
+              <a:lstStyle/>
+              <a:p>
+                <a:r>
+                  <a:rPr lang="en-US" altLang="ja-JP" sz="1600" dirty="0">
+                    <a:latin typeface="Arial" panose="020B0604020202020204" pitchFamily="34" charset="0"/>
+                    <a:ea typeface="Cambria Math" panose="02040503050406030204" pitchFamily="18" charset="0"/>
+                    <a:cs typeface="Arial" panose="020B0604020202020204" pitchFamily="34" charset="0"/>
+                  </a:rPr>
+                  <a:t>Hardware plugin</a:t>
+                </a:r>
+                <a:endParaRPr kumimoji="1" lang="ja-JP" altLang="en-US" sz="1600" dirty="0">
+                  <a:latin typeface="Times New Roman" panose="02020603050405020304" pitchFamily="18" charset="0"/>
+                  <a:cs typeface="Times New Roman" panose="02020603050405020304" pitchFamily="18" charset="0"/>
+                </a:endParaRPr>
+              </a:p>
+            </p:txBody>
+          </p:sp>
+          <p:sp>
+            <p:nvSpPr>
+              <p:cNvPr id="39" name="フローチャート: 準備 38">
+                <a:extLst>
+                  <a:ext uri="{FF2B5EF4-FFF2-40B4-BE49-F238E27FC236}">
+                    <a16:creationId xmlns:a16="http://schemas.microsoft.com/office/drawing/2014/main" id="{6B7EFE18-0535-E63D-5E30-20EF427EE8A3}"/>
+                  </a:ext>
+                </a:extLst>
+              </p:cNvPr>
+              <p:cNvSpPr/>
+              <p:nvPr/>
+            </p:nvSpPr>
+            <p:spPr>
+              <a:xfrm>
+                <a:off x="2685057" y="6298193"/>
+                <a:ext cx="414706" cy="205984"/>
+              </a:xfrm>
+              <a:prstGeom prst="flowChartPreparation">
+                <a:avLst/>
+              </a:prstGeom>
+              <a:solidFill>
+                <a:schemeClr val="bg1"/>
+              </a:solidFill>
+            </p:spPr>
+            <p:style>
+              <a:lnRef idx="2">
+                <a:schemeClr val="accent1">
+                  <a:shade val="15000"/>
+                </a:schemeClr>
+              </a:lnRef>
+              <a:fillRef idx="1">
+                <a:schemeClr val="accent1"/>
+              </a:fillRef>
+              <a:effectRef idx="0">
+                <a:schemeClr val="accent1"/>
+              </a:effectRef>
+              <a:fontRef idx="minor">
+                <a:schemeClr val="lt1"/>
+              </a:fontRef>
+            </p:style>
+            <p:txBody>
+              <a:bodyPr rtlCol="0" anchor="ctr"/>
+              <a:lstStyle/>
+              <a:p>
+                <a:pPr algn="ctr"/>
+                <a:endParaRPr kumimoji="1" lang="ja-JP" altLang="en-US"/>
+              </a:p>
+            </p:txBody>
+          </p:sp>
+        </p:grpSp>
       </p:grpSp>
     </p:spTree>
     <p:extLst>

--- a/images/ffmpeg_pipeline_figs.pptx
+++ b/images/ffmpeg_pipeline_figs.pptx
@@ -259,7 +259,7 @@
           <a:p>
             <a:fld id="{8AFBAF07-7DCF-4465-8BA1-951AA5F2F55A}" type="datetimeFigureOut">
               <a:rPr kumimoji="1" lang="ja-JP" altLang="en-US" smtClean="0"/>
-              <a:t>2025/5/13</a:t>
+              <a:t>2025/5/28</a:t>
             </a:fld>
             <a:endParaRPr kumimoji="1" lang="ja-JP" altLang="en-US"/>
           </a:p>
@@ -489,7 +489,7 @@
           <a:p>
             <a:fld id="{8AFBAF07-7DCF-4465-8BA1-951AA5F2F55A}" type="datetimeFigureOut">
               <a:rPr kumimoji="1" lang="ja-JP" altLang="en-US" smtClean="0"/>
-              <a:t>2025/5/13</a:t>
+              <a:t>2025/5/28</a:t>
             </a:fld>
             <a:endParaRPr kumimoji="1" lang="ja-JP" altLang="en-US"/>
           </a:p>
@@ -729,7 +729,7 @@
           <a:p>
             <a:fld id="{8AFBAF07-7DCF-4465-8BA1-951AA5F2F55A}" type="datetimeFigureOut">
               <a:rPr kumimoji="1" lang="ja-JP" altLang="en-US" smtClean="0"/>
-              <a:t>2025/5/13</a:t>
+              <a:t>2025/5/28</a:t>
             </a:fld>
             <a:endParaRPr kumimoji="1" lang="ja-JP" altLang="en-US"/>
           </a:p>
@@ -959,7 +959,7 @@
           <a:p>
             <a:fld id="{8AFBAF07-7DCF-4465-8BA1-951AA5F2F55A}" type="datetimeFigureOut">
               <a:rPr kumimoji="1" lang="ja-JP" altLang="en-US" smtClean="0"/>
-              <a:t>2025/5/13</a:t>
+              <a:t>2025/5/28</a:t>
             </a:fld>
             <a:endParaRPr kumimoji="1" lang="ja-JP" altLang="en-US"/>
           </a:p>
@@ -1234,7 +1234,7 @@
           <a:p>
             <a:fld id="{8AFBAF07-7DCF-4465-8BA1-951AA5F2F55A}" type="datetimeFigureOut">
               <a:rPr kumimoji="1" lang="ja-JP" altLang="en-US" smtClean="0"/>
-              <a:t>2025/5/13</a:t>
+              <a:t>2025/5/28</a:t>
             </a:fld>
             <a:endParaRPr kumimoji="1" lang="ja-JP" altLang="en-US"/>
           </a:p>
@@ -1563,7 +1563,7 @@
           <a:p>
             <a:fld id="{8AFBAF07-7DCF-4465-8BA1-951AA5F2F55A}" type="datetimeFigureOut">
               <a:rPr kumimoji="1" lang="ja-JP" altLang="en-US" smtClean="0"/>
-              <a:t>2025/5/13</a:t>
+              <a:t>2025/5/28</a:t>
             </a:fld>
             <a:endParaRPr kumimoji="1" lang="ja-JP" altLang="en-US"/>
           </a:p>
@@ -2039,7 +2039,7 @@
           <a:p>
             <a:fld id="{8AFBAF07-7DCF-4465-8BA1-951AA5F2F55A}" type="datetimeFigureOut">
               <a:rPr kumimoji="1" lang="ja-JP" altLang="en-US" smtClean="0"/>
-              <a:t>2025/5/13</a:t>
+              <a:t>2025/5/28</a:t>
             </a:fld>
             <a:endParaRPr kumimoji="1" lang="ja-JP" altLang="en-US"/>
           </a:p>
@@ -2180,7 +2180,7 @@
           <a:p>
             <a:fld id="{8AFBAF07-7DCF-4465-8BA1-951AA5F2F55A}" type="datetimeFigureOut">
               <a:rPr kumimoji="1" lang="ja-JP" altLang="en-US" smtClean="0"/>
-              <a:t>2025/5/13</a:t>
+              <a:t>2025/5/28</a:t>
             </a:fld>
             <a:endParaRPr kumimoji="1" lang="ja-JP" altLang="en-US"/>
           </a:p>
@@ -2293,7 +2293,7 @@
           <a:p>
             <a:fld id="{8AFBAF07-7DCF-4465-8BA1-951AA5F2F55A}" type="datetimeFigureOut">
               <a:rPr kumimoji="1" lang="ja-JP" altLang="en-US" smtClean="0"/>
-              <a:t>2025/5/13</a:t>
+              <a:t>2025/5/28</a:t>
             </a:fld>
             <a:endParaRPr kumimoji="1" lang="ja-JP" altLang="en-US"/>
           </a:p>
@@ -2636,7 +2636,7 @@
           <a:p>
             <a:fld id="{8AFBAF07-7DCF-4465-8BA1-951AA5F2F55A}" type="datetimeFigureOut">
               <a:rPr kumimoji="1" lang="ja-JP" altLang="en-US" smtClean="0"/>
-              <a:t>2025/5/13</a:t>
+              <a:t>2025/5/28</a:t>
             </a:fld>
             <a:endParaRPr kumimoji="1" lang="ja-JP" altLang="en-US"/>
           </a:p>
@@ -2924,7 +2924,7 @@
           <a:p>
             <a:fld id="{8AFBAF07-7DCF-4465-8BA1-951AA5F2F55A}" type="datetimeFigureOut">
               <a:rPr kumimoji="1" lang="ja-JP" altLang="en-US" smtClean="0"/>
-              <a:t>2025/5/13</a:t>
+              <a:t>2025/5/28</a:t>
             </a:fld>
             <a:endParaRPr kumimoji="1" lang="ja-JP" altLang="en-US"/>
           </a:p>
@@ -3197,7 +3197,7 @@
           <a:p>
             <a:fld id="{8AFBAF07-7DCF-4465-8BA1-951AA5F2F55A}" type="datetimeFigureOut">
               <a:rPr kumimoji="1" lang="ja-JP" altLang="en-US" smtClean="0"/>
-              <a:t>2025/5/13</a:t>
+              <a:t>2025/5/28</a:t>
             </a:fld>
             <a:endParaRPr kumimoji="1" lang="ja-JP" altLang="en-US"/>
           </a:p>
@@ -3622,10 +3622,10 @@
       </p:grpSpPr>
       <p:grpSp>
         <p:nvGrpSpPr>
-          <p:cNvPr id="46" name="グループ化 45">
+          <p:cNvPr id="5" name="グループ化 4">
             <a:extLst>
               <a:ext uri="{FF2B5EF4-FFF2-40B4-BE49-F238E27FC236}">
-                <a16:creationId xmlns:a16="http://schemas.microsoft.com/office/drawing/2014/main" id="{126962FE-C454-3918-3005-AB2E76E774EC}"/>
+                <a16:creationId xmlns:a16="http://schemas.microsoft.com/office/drawing/2014/main" id="{1B333DAA-5C25-B579-D89E-1BD4B4051738}"/>
               </a:ext>
             </a:extLst>
           </p:cNvPr>
@@ -3934,7 +3934,7 @@
           </p:nvGrpSpPr>
           <p:grpSpPr>
             <a:xfrm>
-              <a:off x="7052555" y="2206166"/>
+              <a:off x="7052555" y="2183132"/>
               <a:ext cx="2154394" cy="608575"/>
               <a:chOff x="7052555" y="2321920"/>
               <a:chExt cx="2154394" cy="608575"/>
@@ -4149,8 +4149,8 @@
           </p:nvCxnSpPr>
           <p:spPr>
             <a:xfrm>
-              <a:off x="8129747" y="1548190"/>
-              <a:ext cx="5" cy="657976"/>
+              <a:off x="8129747" y="1536673"/>
+              <a:ext cx="5" cy="646459"/>
             </a:xfrm>
             <a:prstGeom prst="straightConnector1">
               <a:avLst/>
@@ -4196,8 +4196,8 @@
           </p:nvCxnSpPr>
           <p:spPr>
             <a:xfrm flipH="1">
-              <a:off x="8129741" y="2814741"/>
-              <a:ext cx="11" cy="656971"/>
+              <a:off x="8129741" y="2791707"/>
+              <a:ext cx="11" cy="646460"/>
             </a:xfrm>
             <a:prstGeom prst="straightConnector1">
               <a:avLst/>
@@ -4243,8 +4243,8 @@
           </p:nvCxnSpPr>
           <p:spPr>
             <a:xfrm>
-              <a:off x="8129741" y="4075319"/>
-              <a:ext cx="11" cy="820575"/>
+              <a:off x="8129741" y="4041774"/>
+              <a:ext cx="11" cy="854120"/>
             </a:xfrm>
             <a:prstGeom prst="straightConnector1">
               <a:avLst/>
@@ -4286,7 +4286,7 @@
           </p:nvGrpSpPr>
           <p:grpSpPr>
             <a:xfrm>
-              <a:off x="2483339" y="2160770"/>
+              <a:off x="2483339" y="2183132"/>
               <a:ext cx="2296596" cy="608575"/>
               <a:chOff x="2483339" y="2321920"/>
               <a:chExt cx="2296596" cy="608575"/>
@@ -4406,8 +4406,8 @@
           </p:nvCxnSpPr>
           <p:spPr>
             <a:xfrm>
-              <a:off x="3631637" y="1525492"/>
-              <a:ext cx="0" cy="635278"/>
+              <a:off x="3631637" y="1536673"/>
+              <a:ext cx="0" cy="646459"/>
             </a:xfrm>
             <a:prstGeom prst="straightConnector1">
               <a:avLst/>
@@ -4453,8 +4453,8 @@
           </p:nvCxnSpPr>
           <p:spPr>
             <a:xfrm flipH="1">
-              <a:off x="3630000" y="2769345"/>
-              <a:ext cx="1637" cy="635277"/>
+              <a:off x="3630000" y="2791707"/>
+              <a:ext cx="1637" cy="646460"/>
             </a:xfrm>
             <a:prstGeom prst="straightConnector1">
               <a:avLst/>
@@ -4500,8 +4500,8 @@
           </p:nvCxnSpPr>
           <p:spPr>
             <a:xfrm>
-              <a:off x="3630000" y="4008229"/>
-              <a:ext cx="1637" cy="887667"/>
+              <a:off x="3630000" y="4041774"/>
+              <a:ext cx="1637" cy="854122"/>
             </a:xfrm>
             <a:prstGeom prst="straightConnector1">
               <a:avLst/>
@@ -4544,7 +4544,7 @@
           </p:nvSpPr>
           <p:spPr>
             <a:xfrm>
-              <a:off x="1721347" y="1689242"/>
+              <a:off x="1715225" y="1706014"/>
               <a:ext cx="1895071" cy="307777"/>
             </a:xfrm>
             <a:prstGeom prst="rect">
@@ -4558,6 +4558,7 @@
             </a:bodyPr>
             <a:lstStyle/>
             <a:p>
+              <a:pPr algn="r"/>
               <a:r>
                 <a:rPr lang="en-US" altLang="ja-JP" sz="1400" dirty="0">
                   <a:latin typeface="Arial" panose="020B0604020202020204" pitchFamily="34" charset="0"/>
@@ -4587,7 +4588,7 @@
           </p:nvSpPr>
           <p:spPr>
             <a:xfrm>
-              <a:off x="2346520" y="2933095"/>
+              <a:off x="2340398" y="2961049"/>
               <a:ext cx="1269898" cy="307777"/>
             </a:xfrm>
             <a:prstGeom prst="rect">
@@ -4631,7 +4632,7 @@
           </p:nvSpPr>
           <p:spPr>
             <a:xfrm>
-              <a:off x="2346519" y="4195358"/>
+              <a:off x="2340397" y="4206931"/>
               <a:ext cx="1269899" cy="307777"/>
             </a:xfrm>
             <a:prstGeom prst="rect">
@@ -5626,7 +5627,7 @@
           </p:nvSpPr>
           <p:spPr>
             <a:xfrm>
-              <a:off x="8376562" y="-855320"/>
+              <a:off x="8368747" y="-855320"/>
               <a:ext cx="1982081" cy="369332"/>
             </a:xfrm>
             <a:prstGeom prst="rect">
@@ -5670,7 +5671,7 @@
           </p:nvSpPr>
           <p:spPr>
             <a:xfrm>
-              <a:off x="8129748" y="1723289"/>
+              <a:off x="8153192" y="1706014"/>
               <a:ext cx="1895071" cy="307777"/>
             </a:xfrm>
             <a:prstGeom prst="rect">
@@ -5709,7 +5710,7 @@
           </p:nvSpPr>
           <p:spPr>
             <a:xfrm>
-              <a:off x="8129747" y="2989841"/>
+              <a:off x="8153192" y="2961048"/>
               <a:ext cx="1505540" cy="307777"/>
             </a:xfrm>
             <a:prstGeom prst="rect">
@@ -5748,7 +5749,7 @@
           </p:nvSpPr>
           <p:spPr>
             <a:xfrm>
-              <a:off x="8129747" y="4218503"/>
+              <a:off x="8153192" y="4206931"/>
               <a:ext cx="1505540" cy="307777"/>
             </a:xfrm>
             <a:prstGeom prst="rect">
@@ -5795,7 +5796,7 @@
           </p:nvGrpSpPr>
           <p:grpSpPr>
             <a:xfrm>
-              <a:off x="2483339" y="916917"/>
+              <a:off x="2483339" y="928098"/>
               <a:ext cx="2296596" cy="608575"/>
               <a:chOff x="2483339" y="917878"/>
               <a:chExt cx="2296596" cy="608575"/>
@@ -5916,7 +5917,7 @@
           <p:spPr>
             <a:xfrm>
               <a:off x="3631637" y="281639"/>
-              <a:ext cx="0" cy="635278"/>
+              <a:ext cx="0" cy="646459"/>
             </a:xfrm>
             <a:prstGeom prst="straightConnector1">
               <a:avLst/>
@@ -5958,7 +5959,7 @@
           </p:nvSpPr>
           <p:spPr>
             <a:xfrm>
-              <a:off x="2157254" y="445390"/>
+              <a:off x="2141624" y="450980"/>
               <a:ext cx="1468672" cy="307777"/>
             </a:xfrm>
             <a:prstGeom prst="rect">
@@ -6002,7 +6003,7 @@
           </p:nvGrpSpPr>
           <p:grpSpPr>
             <a:xfrm>
-              <a:off x="7052549" y="939615"/>
+              <a:off x="7052549" y="928098"/>
               <a:ext cx="2154396" cy="608575"/>
               <a:chOff x="7052554" y="-326936"/>
               <a:chExt cx="2154396" cy="608575"/>
@@ -6131,7 +6132,7 @@
           <p:spPr>
             <a:xfrm flipH="1">
               <a:off x="8129747" y="281639"/>
-              <a:ext cx="5" cy="657976"/>
+              <a:ext cx="5" cy="646459"/>
             </a:xfrm>
             <a:prstGeom prst="straightConnector1">
               <a:avLst/>
@@ -6173,7 +6174,7 @@
           </p:nvSpPr>
           <p:spPr>
             <a:xfrm>
-              <a:off x="8146479" y="456739"/>
+              <a:off x="8153192" y="450980"/>
               <a:ext cx="1468672" cy="307777"/>
             </a:xfrm>
             <a:prstGeom prst="rect">
@@ -6627,7 +6628,7 @@
           </p:nvGrpSpPr>
           <p:grpSpPr>
             <a:xfrm>
-              <a:off x="2480068" y="3404622"/>
+              <a:off x="2480068" y="3438167"/>
               <a:ext cx="2299864" cy="603607"/>
               <a:chOff x="2480068" y="3404622"/>
               <a:chExt cx="2299864" cy="603607"/>
@@ -6741,7 +6742,7 @@
           </p:nvGrpSpPr>
           <p:grpSpPr>
             <a:xfrm>
-              <a:off x="7052543" y="3471712"/>
+              <a:off x="7052543" y="3438167"/>
               <a:ext cx="2154396" cy="603607"/>
               <a:chOff x="7052543" y="3471712"/>
               <a:chExt cx="2154396" cy="603607"/>
